--- a/python/posts/test.pptx
+++ b/python/posts/test.pptx
@@ -6,9 +6,6 @@
   </p:sldMasterIdLst>
   <p:sldIdLst>
     <p:sldId id="256" r:id="rId7"/>
-    <p:sldId id="257" r:id="rId8"/>
-    <p:sldId id="258" r:id="rId9"/>
-    <p:sldId id="259" r:id="rId10"/>
   </p:sldIdLst>
   <p:sldSz cx="9144000" cy="6858000" type="screen4x3"/>
   <p:notesSz cx="6858000" cy="9144000"/>
@@ -3091,123 +3088,9 @@
         <p:nvPr/>
       </p:nvGrpSpPr>
       <p:grpSpPr/>
-      <p:sp>
-        <p:nvSpPr>
-          <p:cNvPr id="2" name="Title 1"/>
-          <p:cNvSpPr>
-            <a:spLocks noGrp="1"/>
-          </p:cNvSpPr>
-          <p:nvPr>
-            <p:ph type="ctrTitle"/>
-          </p:nvPr>
-        </p:nvSpPr>
-        <p:spPr/>
-        <p:txBody>
-          <a:bodyPr/>
-          <a:lstStyle/>
-          <a:p>
-            <a:r>
-              <a:t>My Automatic Presentation</a:t>
-            </a:r>
-          </a:p>
-        </p:txBody>
-      </p:sp>
-      <p:sp>
-        <p:nvSpPr>
-          <p:cNvPr id="3" name="Subtitle 2"/>
-          <p:cNvSpPr>
-            <a:spLocks noGrp="1"/>
-          </p:cNvSpPr>
-          <p:nvPr>
-            <p:ph type="subTitle" idx="1"/>
-          </p:nvPr>
-        </p:nvSpPr>
-        <p:spPr/>
-        <p:txBody>
-          <a:bodyPr/>
-          <a:lstStyle/>
-          <a:p>
-            <a:r>
-              <a:t>Yeah, PowerPoint can be automated as well!</a:t>
-            </a:r>
-          </a:p>
-        </p:txBody>
-      </p:sp>
-    </p:spTree>
-  </p:cSld>
-  <p:clrMapOvr>
-    <a:masterClrMapping/>
-  </p:clrMapOvr>
-</p:sld>
-</file>
-
-<file path=ppt/slides/slide2.xml><?xml version="1.0" encoding="utf-8"?>
-<p:sld xmlns:a="http://schemas.openxmlformats.org/drawingml/2006/main" xmlns:p="http://schemas.openxmlformats.org/presentationml/2006/main" xmlns:r="http://schemas.openxmlformats.org/officeDocument/2006/relationships">
-  <p:cSld>
-    <p:spTree>
-      <p:nvGrpSpPr>
-        <p:cNvPr id="1" name=""/>
-        <p:cNvGrpSpPr/>
-        <p:nvPr/>
-      </p:nvGrpSpPr>
-      <p:grpSpPr/>
-      <p:sp>
-        <p:nvSpPr>
-          <p:cNvPr id="2" name="Title 1"/>
-          <p:cNvSpPr>
-            <a:spLocks noGrp="1"/>
-          </p:cNvSpPr>
-          <p:nvPr>
-            <p:ph type="title"/>
-          </p:nvPr>
-        </p:nvSpPr>
-        <p:spPr/>
-        <p:txBody>
-          <a:bodyPr/>
-          <a:lstStyle/>
-          <a:p>
-            <a:r>
-              <a:t>About substance A</a:t>
-            </a:r>
-          </a:p>
-        </p:txBody>
-      </p:sp>
-      <p:sp>
-        <p:nvSpPr>
-          <p:cNvPr id="3" name="Content Placeholder 2"/>
-          <p:cNvSpPr>
-            <a:spLocks noGrp="1"/>
-          </p:cNvSpPr>
-          <p:nvPr>
-            <p:ph idx="1"/>
-          </p:nvPr>
-        </p:nvSpPr>
-        <p:spPr/>
-        <p:txBody>
-          <a:bodyPr/>
-          <a:lstStyle/>
-          <a:p>
-            <a:r>
-              <a:t>Key points about A</a:t>
-            </a:r>
-          </a:p>
-          <a:p>
-            <a:pPr lvl="1"/>
-            <a:r>
-              <a:t>Mainly...</a:t>
-            </a:r>
-          </a:p>
-          <a:p>
-            <a:pPr lvl="2"/>
-            <a:r>
-              <a:t>Which is a concern</a:t>
-            </a:r>
-          </a:p>
-        </p:txBody>
-      </p:sp>
       <p:pic>
         <p:nvPicPr>
-          <p:cNvPr id="4" name="Picture 3" descr="dist_A.png"/>
+          <p:cNvPr id="2" name="Picture 1" descr="image.png"/>
           <p:cNvPicPr>
             <a:picLocks noChangeAspect="1"/>
           </p:cNvPicPr>
@@ -3221,89 +3104,17 @@
         </p:blipFill>
         <p:spPr>
           <a:xfrm>
-            <a:off x="3474720" y="2651760"/>
-            <a:ext cx="5486400" cy="3657600"/>
+            <a:off x="0" y="0"/>
+            <a:ext cx="4114800" cy="2743200"/>
           </a:xfrm>
           <a:prstGeom prst="rect">
             <a:avLst/>
           </a:prstGeom>
         </p:spPr>
       </p:pic>
-    </p:spTree>
-  </p:cSld>
-  <p:clrMapOvr>
-    <a:masterClrMapping/>
-  </p:clrMapOvr>
-</p:sld>
-</file>
-
-<file path=ppt/slides/slide3.xml><?xml version="1.0" encoding="utf-8"?>
-<p:sld xmlns:a="http://schemas.openxmlformats.org/drawingml/2006/main" xmlns:p="http://schemas.openxmlformats.org/presentationml/2006/main" xmlns:r="http://schemas.openxmlformats.org/officeDocument/2006/relationships">
-  <p:cSld>
-    <p:spTree>
-      <p:nvGrpSpPr>
-        <p:cNvPr id="1" name=""/>
-        <p:cNvGrpSpPr/>
-        <p:nvPr/>
-      </p:nvGrpSpPr>
-      <p:grpSpPr/>
-      <p:sp>
-        <p:nvSpPr>
-          <p:cNvPr id="2" name="Title 1"/>
-          <p:cNvSpPr>
-            <a:spLocks noGrp="1"/>
-          </p:cNvSpPr>
-          <p:nvPr>
-            <p:ph type="title"/>
-          </p:nvPr>
-        </p:nvSpPr>
-        <p:spPr/>
-        <p:txBody>
-          <a:bodyPr/>
-          <a:lstStyle/>
-          <a:p>
-            <a:r>
-              <a:t>About substance B</a:t>
-            </a:r>
-          </a:p>
-        </p:txBody>
-      </p:sp>
-      <p:sp>
-        <p:nvSpPr>
-          <p:cNvPr id="3" name="Content Placeholder 2"/>
-          <p:cNvSpPr>
-            <a:spLocks noGrp="1"/>
-          </p:cNvSpPr>
-          <p:nvPr>
-            <p:ph idx="1"/>
-          </p:nvPr>
-        </p:nvSpPr>
-        <p:spPr/>
-        <p:txBody>
-          <a:bodyPr/>
-          <a:lstStyle/>
-          <a:p>
-            <a:r>
-              <a:t>Key points about B</a:t>
-            </a:r>
-          </a:p>
-          <a:p>
-            <a:pPr lvl="1"/>
-            <a:r>
-              <a:t>Mainly...</a:t>
-            </a:r>
-          </a:p>
-          <a:p>
-            <a:pPr lvl="2"/>
-            <a:r>
-              <a:t>Which is a concern</a:t>
-            </a:r>
-          </a:p>
-        </p:txBody>
-      </p:sp>
       <p:pic>
         <p:nvPicPr>
-          <p:cNvPr id="4" name="Picture 3" descr="dist_B.png"/>
+          <p:cNvPr id="3" name="Picture 2" descr="image.png"/>
           <p:cNvPicPr>
             <a:picLocks noChangeAspect="1"/>
           </p:cNvPicPr>
@@ -3317,89 +3128,17 @@
         </p:blipFill>
         <p:spPr>
           <a:xfrm>
-            <a:off x="3474720" y="2651760"/>
-            <a:ext cx="5486400" cy="3657600"/>
+            <a:off x="0" y="4114800"/>
+            <a:ext cx="4114800" cy="2743200"/>
           </a:xfrm>
           <a:prstGeom prst="rect">
             <a:avLst/>
           </a:prstGeom>
         </p:spPr>
       </p:pic>
-    </p:spTree>
-  </p:cSld>
-  <p:clrMapOvr>
-    <a:masterClrMapping/>
-  </p:clrMapOvr>
-</p:sld>
-</file>
-
-<file path=ppt/slides/slide4.xml><?xml version="1.0" encoding="utf-8"?>
-<p:sld xmlns:a="http://schemas.openxmlformats.org/drawingml/2006/main" xmlns:p="http://schemas.openxmlformats.org/presentationml/2006/main" xmlns:r="http://schemas.openxmlformats.org/officeDocument/2006/relationships">
-  <p:cSld>
-    <p:spTree>
-      <p:nvGrpSpPr>
-        <p:cNvPr id="1" name=""/>
-        <p:cNvGrpSpPr/>
-        <p:nvPr/>
-      </p:nvGrpSpPr>
-      <p:grpSpPr/>
-      <p:sp>
-        <p:nvSpPr>
-          <p:cNvPr id="2" name="Title 1"/>
-          <p:cNvSpPr>
-            <a:spLocks noGrp="1"/>
-          </p:cNvSpPr>
-          <p:nvPr>
-            <p:ph type="title"/>
-          </p:nvPr>
-        </p:nvSpPr>
-        <p:spPr/>
-        <p:txBody>
-          <a:bodyPr/>
-          <a:lstStyle/>
-          <a:p>
-            <a:r>
-              <a:t>About substance C</a:t>
-            </a:r>
-          </a:p>
-        </p:txBody>
-      </p:sp>
-      <p:sp>
-        <p:nvSpPr>
-          <p:cNvPr id="3" name="Content Placeholder 2"/>
-          <p:cNvSpPr>
-            <a:spLocks noGrp="1"/>
-          </p:cNvSpPr>
-          <p:nvPr>
-            <p:ph idx="1"/>
-          </p:nvPr>
-        </p:nvSpPr>
-        <p:spPr/>
-        <p:txBody>
-          <a:bodyPr/>
-          <a:lstStyle/>
-          <a:p>
-            <a:r>
-              <a:t>Key points about C</a:t>
-            </a:r>
-          </a:p>
-          <a:p>
-            <a:pPr lvl="1"/>
-            <a:r>
-              <a:t>Mainly...</a:t>
-            </a:r>
-          </a:p>
-          <a:p>
-            <a:pPr lvl="2"/>
-            <a:r>
-              <a:t>Which is a concern</a:t>
-            </a:r>
-          </a:p>
-        </p:txBody>
-      </p:sp>
       <p:pic>
         <p:nvPicPr>
-          <p:cNvPr id="4" name="Picture 3" descr="dist_C.png"/>
+          <p:cNvPr id="4" name="Picture 3" descr="image.png"/>
           <p:cNvPicPr>
             <a:picLocks noChangeAspect="1"/>
           </p:cNvPicPr>
@@ -3413,8 +3152,32 @@
         </p:blipFill>
         <p:spPr>
           <a:xfrm>
-            <a:off x="3474720" y="2651760"/>
-            <a:ext cx="5486400" cy="3657600"/>
+            <a:off x="5029200" y="0"/>
+            <a:ext cx="4114800" cy="2743200"/>
+          </a:xfrm>
+          <a:prstGeom prst="rect">
+            <a:avLst/>
+          </a:prstGeom>
+        </p:spPr>
+      </p:pic>
+      <p:pic>
+        <p:nvPicPr>
+          <p:cNvPr id="5" name="Picture 4" descr="image.png"/>
+          <p:cNvPicPr>
+            <a:picLocks noChangeAspect="1"/>
+          </p:cNvPicPr>
+          <p:nvPr/>
+        </p:nvPicPr>
+        <p:blipFill>
+          <a:blip r:embed="rId2"/>
+          <a:stretch>
+            <a:fillRect/>
+          </a:stretch>
+        </p:blipFill>
+        <p:spPr>
+          <a:xfrm>
+            <a:off x="5029200" y="4114800"/>
+            <a:ext cx="4114800" cy="2743200"/>
           </a:xfrm>
           <a:prstGeom prst="rect">
             <a:avLst/>
